--- a/Diagramme de classe/L1- Classes et attributs/L1 - Classes et attributs.pptx
+++ b/Diagramme de classe/L1- Classes et attributs/L1 - Classes et attributs.pptx
@@ -3711,9 +3711,35 @@
           <a:effectLst/>
         </p:spPr>
       </p:pic>
+      <p:sp>
+        <p:nvSpPr>
+          <p:cNvPr id="13" name="Espace réservé du contenu 2"/>
+          <p:cNvSpPr>
+            <a:spLocks noGrp="1"/>
+          </p:cNvSpPr>
+          <p:nvPr>
+            <p:ph idx="1"/>
+          </p:nvPr>
+        </p:nvSpPr>
+        <p:spPr>
+          <a:xfrm>
+            <a:off x="571472" y="4714884"/>
+            <a:ext cx="8229600" cy="1357322"/>
+          </a:xfrm>
+        </p:spPr>
+        <p:txBody>
+          <a:bodyPr>
+            <a:normAutofit/>
+          </a:bodyPr>
+          <a:lstStyle/>
+          <a:p>
+            <a:endParaRPr lang="fr-CH" i="1" dirty="0" smtClean="0"/>
+          </a:p>
+        </p:txBody>
+      </p:sp>
       <p:pic>
         <p:nvPicPr>
-          <p:cNvPr id="19462" name="Picture 6" descr="PlantUML diagram"/>
+          <p:cNvPr id="1026" name="Picture 2" descr="C:\Users\exosOO\Diagramme de classe\L1- Classes et attributs\diagrammes\dc_3\dc_3.png"/>
           <p:cNvPicPr>
             <a:picLocks noChangeAspect="1" noChangeArrowheads="1"/>
           </p:cNvPicPr>
@@ -3728,8 +3754,8 @@
         </p:blipFill>
         <p:spPr bwMode="auto">
           <a:xfrm>
-            <a:off x="500034" y="2214554"/>
-            <a:ext cx="3857652" cy="1714512"/>
+            <a:off x="428596" y="2357430"/>
+            <a:ext cx="3774937" cy="1435100"/>
           </a:xfrm>
           <a:prstGeom prst="rect">
             <a:avLst/>
@@ -3737,32 +3763,6 @@
           <a:noFill/>
         </p:spPr>
       </p:pic>
-      <p:sp>
-        <p:nvSpPr>
-          <p:cNvPr id="13" name="Espace réservé du contenu 2"/>
-          <p:cNvSpPr>
-            <a:spLocks noGrp="1"/>
-          </p:cNvSpPr>
-          <p:nvPr>
-            <p:ph idx="1"/>
-          </p:nvPr>
-        </p:nvSpPr>
-        <p:spPr>
-          <a:xfrm>
-            <a:off x="571472" y="4714884"/>
-            <a:ext cx="8229600" cy="1357322"/>
-          </a:xfrm>
-        </p:spPr>
-        <p:txBody>
-          <a:bodyPr>
-            <a:normAutofit/>
-          </a:bodyPr>
-          <a:lstStyle/>
-          <a:p>
-            <a:endParaRPr lang="fr-CH" i="1" dirty="0" smtClean="0"/>
-          </a:p>
-        </p:txBody>
-      </p:sp>
     </p:spTree>
   </p:cSld>
   <p:clrMapOvr>

--- a/Diagramme de classe/L1- Classes et attributs/L1 - Classes et attributs.pptx
+++ b/Diagramme de classe/L1- Classes et attributs/L1 - Classes et attributs.pptx
@@ -9,6 +9,8 @@
     <p:sldId id="257" r:id="rId3"/>
     <p:sldId id="261" r:id="rId4"/>
     <p:sldId id="262" r:id="rId5"/>
+    <p:sldId id="263" r:id="rId6"/>
+    <p:sldId id="264" r:id="rId7"/>
   </p:sldIdLst>
   <p:sldSz cx="9144000" cy="6858000" type="screen4x3"/>
   <p:notesSz cx="6858000" cy="9144000"/>
@@ -3763,6 +3765,320 @@
           <a:noFill/>
         </p:spPr>
       </p:pic>
+    </p:spTree>
+  </p:cSld>
+  <p:clrMapOvr>
+    <a:masterClrMapping/>
+  </p:clrMapOvr>
+</p:sld>
+</file>
+
+<file path=ppt/slides/slide5.xml><?xml version="1.0" encoding="utf-8"?>
+<p:sld xmlns:a="http://schemas.openxmlformats.org/drawingml/2006/main" xmlns:r="http://schemas.openxmlformats.org/officeDocument/2006/relationships" xmlns:p="http://schemas.openxmlformats.org/presentationml/2006/main">
+  <p:cSld>
+    <p:spTree>
+      <p:nvGrpSpPr>
+        <p:cNvPr id="1" name=""/>
+        <p:cNvGrpSpPr/>
+        <p:nvPr/>
+      </p:nvGrpSpPr>
+      <p:grpSpPr>
+        <a:xfrm>
+          <a:off x="0" y="0"/>
+          <a:ext cx="0" cy="0"/>
+          <a:chOff x="0" y="0"/>
+          <a:chExt cx="0" cy="0"/>
+        </a:xfrm>
+      </p:grpSpPr>
+      <p:sp>
+        <p:nvSpPr>
+          <p:cNvPr id="2" name="Titre 1"/>
+          <p:cNvSpPr>
+            <a:spLocks noGrp="1"/>
+          </p:cNvSpPr>
+          <p:nvPr>
+            <p:ph type="title"/>
+          </p:nvPr>
+        </p:nvSpPr>
+        <p:spPr/>
+        <p:txBody>
+          <a:bodyPr/>
+          <a:lstStyle/>
+          <a:p>
+            <a:r>
+              <a:rPr lang="fr-CH" dirty="0" smtClean="0"/>
+              <a:t>Exercice - 1</a:t>
+            </a:r>
+            <a:endParaRPr lang="fr-CH" dirty="0"/>
+          </a:p>
+        </p:txBody>
+      </p:sp>
+      <p:sp>
+        <p:nvSpPr>
+          <p:cNvPr id="3" name="Espace réservé du contenu 2"/>
+          <p:cNvSpPr>
+            <a:spLocks noGrp="1"/>
+          </p:cNvSpPr>
+          <p:nvPr>
+            <p:ph idx="1"/>
+          </p:nvPr>
+        </p:nvSpPr>
+        <p:spPr/>
+        <p:txBody>
+          <a:bodyPr/>
+          <a:lstStyle/>
+          <a:p>
+            <a:r>
+              <a:rPr lang="fr-CH" dirty="0" smtClean="0"/>
+              <a:t>Reproduire le diagramme ci-dessous</a:t>
+            </a:r>
+          </a:p>
+          <a:p>
+            <a:pPr lvl="1"/>
+            <a:r>
+              <a:rPr lang="fr-CH" dirty="0" smtClean="0">
+                <a:hlinkClick r:id="rId2"/>
+              </a:rPr>
+              <a:t>http</a:t>
+            </a:r>
+            <a:r>
+              <a:rPr lang="fr-CH" dirty="0" smtClean="0">
+                <a:hlinkClick r:id="rId2"/>
+              </a:rPr>
+              <a:t>://</a:t>
+            </a:r>
+            <a:r>
+              <a:rPr lang="fr-CH" dirty="0" smtClean="0">
+                <a:hlinkClick r:id="rId2"/>
+              </a:rPr>
+              <a:t>plantuml.com/</a:t>
+            </a:r>
+            <a:endParaRPr lang="fr-CH" dirty="0" smtClean="0"/>
+          </a:p>
+          <a:p>
+            <a:pPr lvl="1"/>
+            <a:r>
+              <a:rPr lang="fr-CH" dirty="0" smtClean="0">
+                <a:hlinkClick r:id="rId3"/>
+              </a:rPr>
+              <a:t>http</a:t>
+            </a:r>
+            <a:r>
+              <a:rPr lang="fr-CH" dirty="0" smtClean="0">
+                <a:hlinkClick r:id="rId3"/>
+              </a:rPr>
+              <a:t>://plantuml.com/plantuml</a:t>
+            </a:r>
+            <a:r>
+              <a:rPr lang="fr-CH" dirty="0" smtClean="0">
+                <a:hlinkClick r:id="rId3"/>
+              </a:rPr>
+              <a:t>/</a:t>
+            </a:r>
+            <a:endParaRPr lang="fr-CH" dirty="0" smtClean="0"/>
+          </a:p>
+          <a:p>
+            <a:r>
+              <a:rPr lang="fr-CH" dirty="0" smtClean="0"/>
+              <a:t>Le traduire en JAVA</a:t>
+            </a:r>
+          </a:p>
+          <a:p>
+            <a:r>
+              <a:rPr lang="fr-CH" dirty="0" smtClean="0"/>
+              <a:t>Le code doit compiler!</a:t>
+            </a:r>
+          </a:p>
+          <a:p>
+            <a:pPr lvl="1"/>
+            <a:endParaRPr lang="fr-CH" dirty="0" smtClean="0"/>
+          </a:p>
+        </p:txBody>
+      </p:sp>
+      <p:pic>
+        <p:nvPicPr>
+          <p:cNvPr id="2050" name="Picture 2" descr="PlantUML diagram"/>
+          <p:cNvPicPr>
+            <a:picLocks noChangeAspect="1" noChangeArrowheads="1"/>
+          </p:cNvPicPr>
+          <p:nvPr/>
+        </p:nvPicPr>
+        <p:blipFill>
+          <a:blip r:embed="rId4"/>
+          <a:srcRect/>
+          <a:stretch>
+            <a:fillRect/>
+          </a:stretch>
+        </p:blipFill>
+        <p:spPr bwMode="auto">
+          <a:xfrm>
+            <a:off x="4786314" y="3214686"/>
+            <a:ext cx="4143404" cy="3009420"/>
+          </a:xfrm>
+          <a:prstGeom prst="rect">
+            <a:avLst/>
+          </a:prstGeom>
+          <a:noFill/>
+        </p:spPr>
+      </p:pic>
+    </p:spTree>
+  </p:cSld>
+  <p:clrMapOvr>
+    <a:masterClrMapping/>
+  </p:clrMapOvr>
+</p:sld>
+</file>
+
+<file path=ppt/slides/slide6.xml><?xml version="1.0" encoding="utf-8"?>
+<p:sld xmlns:a="http://schemas.openxmlformats.org/drawingml/2006/main" xmlns:r="http://schemas.openxmlformats.org/officeDocument/2006/relationships" xmlns:p="http://schemas.openxmlformats.org/presentationml/2006/main">
+  <p:cSld>
+    <p:spTree>
+      <p:nvGrpSpPr>
+        <p:cNvPr id="1" name=""/>
+        <p:cNvGrpSpPr/>
+        <p:nvPr/>
+      </p:nvGrpSpPr>
+      <p:grpSpPr>
+        <a:xfrm>
+          <a:off x="0" y="0"/>
+          <a:ext cx="0" cy="0"/>
+          <a:chOff x="0" y="0"/>
+          <a:chExt cx="0" cy="0"/>
+        </a:xfrm>
+      </p:grpSpPr>
+      <p:sp>
+        <p:nvSpPr>
+          <p:cNvPr id="2" name="Titre 1"/>
+          <p:cNvSpPr>
+            <a:spLocks noGrp="1"/>
+          </p:cNvSpPr>
+          <p:nvPr>
+            <p:ph type="title"/>
+          </p:nvPr>
+        </p:nvSpPr>
+        <p:spPr/>
+        <p:txBody>
+          <a:bodyPr>
+            <a:normAutofit/>
+          </a:bodyPr>
+          <a:lstStyle/>
+          <a:p>
+            <a:r>
+              <a:rPr lang="fr-CH" dirty="0" smtClean="0"/>
+              <a:t>Exercice – 2</a:t>
+            </a:r>
+            <a:endParaRPr lang="fr-CH" dirty="0"/>
+          </a:p>
+        </p:txBody>
+      </p:sp>
+      <p:sp>
+        <p:nvSpPr>
+          <p:cNvPr id="3" name="Espace réservé du contenu 2"/>
+          <p:cNvSpPr>
+            <a:spLocks noGrp="1"/>
+          </p:cNvSpPr>
+          <p:nvPr>
+            <p:ph idx="1"/>
+          </p:nvPr>
+        </p:nvSpPr>
+        <p:spPr/>
+        <p:txBody>
+          <a:bodyPr>
+            <a:normAutofit lnSpcReduction="10000"/>
+          </a:bodyPr>
+          <a:lstStyle/>
+          <a:p>
+            <a:r>
+              <a:rPr lang="fr-CH" dirty="0" smtClean="0"/>
+              <a:t>Créer un diagramme de classe pour </a:t>
+            </a:r>
+            <a:r>
+              <a:rPr lang="fr-CH" dirty="0" err="1" smtClean="0"/>
+              <a:t>SMSPay</a:t>
+            </a:r>
+            <a:r>
+              <a:rPr lang="fr-CH" dirty="0" smtClean="0"/>
+              <a:t> </a:t>
+            </a:r>
+            <a:r>
+              <a:rPr lang="fr-CH" dirty="0" smtClean="0"/>
+              <a:t>en </a:t>
+            </a:r>
+            <a:r>
+              <a:rPr lang="fr-CH" dirty="0" err="1" smtClean="0"/>
+              <a:t>PlantUML</a:t>
+            </a:r>
+            <a:r>
+              <a:rPr lang="fr-CH" dirty="0" smtClean="0"/>
+              <a:t>, avec:</a:t>
+            </a:r>
+          </a:p>
+          <a:p>
+            <a:pPr lvl="1"/>
+            <a:r>
+              <a:rPr lang="fr-CH" dirty="0" smtClean="0"/>
+              <a:t>C</a:t>
+            </a:r>
+            <a:r>
+              <a:rPr lang="fr-CH" dirty="0" smtClean="0"/>
+              <a:t>lasse SMS (attributs uniquement)</a:t>
+            </a:r>
+          </a:p>
+          <a:p>
+            <a:pPr lvl="1"/>
+            <a:r>
+              <a:rPr lang="fr-CH" dirty="0" smtClean="0"/>
+              <a:t>Classe Client, avec les attributs suivants</a:t>
+            </a:r>
+          </a:p>
+          <a:p>
+            <a:pPr lvl="2"/>
+            <a:r>
+              <a:rPr lang="fr-CH" dirty="0" smtClean="0"/>
+              <a:t>Identifiant du client dans </a:t>
+            </a:r>
+            <a:r>
+              <a:rPr lang="fr-CH" dirty="0" err="1" smtClean="0"/>
+              <a:t>SMSPay</a:t>
+            </a:r>
+            <a:r>
+              <a:rPr lang="fr-CH" dirty="0" smtClean="0"/>
+              <a:t> (un numéro)</a:t>
+            </a:r>
+          </a:p>
+          <a:p>
+            <a:pPr lvl="2"/>
+            <a:r>
+              <a:rPr lang="fr-CH" dirty="0" smtClean="0"/>
+              <a:t>Le numéro de mobile, le numéro de compte bancaire</a:t>
+            </a:r>
+          </a:p>
+          <a:p>
+            <a:pPr lvl="2"/>
+            <a:r>
+              <a:rPr lang="fr-CH" dirty="0" smtClean="0"/>
+              <a:t>Statut du compte client (bloqué ou pas, valeur booléenne)</a:t>
+            </a:r>
+          </a:p>
+          <a:p>
+            <a:pPr lvl="2"/>
+            <a:r>
+              <a:rPr lang="fr-CH" dirty="0" smtClean="0"/>
+              <a:t>Limite mensuelle de transfert</a:t>
+            </a:r>
+          </a:p>
+          <a:p>
+            <a:r>
+              <a:rPr lang="fr-CH" dirty="0" smtClean="0"/>
+              <a:t>Implémenter ces classes en JAVA</a:t>
+            </a:r>
+          </a:p>
+          <a:p>
+            <a:pPr lvl="1"/>
+            <a:endParaRPr lang="fr-CH" dirty="0"/>
+          </a:p>
+        </p:txBody>
+      </p:sp>
     </p:spTree>
   </p:cSld>
   <p:clrMapOvr>
